--- a/Lesson 02/Lesson 02 - Printf & Modulus.pptx
+++ b/Lesson 02/Lesson 02 - Printf & Modulus.pptx
@@ -7,6 +7,7 @@
   <p:sldIdLst>
     <p:sldId id="256" r:id="rId2"/>
     <p:sldId id="257" r:id="rId3"/>
+    <p:sldId id="258" r:id="rId4"/>
   </p:sldIdLst>
   <p:sldSz cx="12192000" cy="6858000"/>
   <p:notesSz cx="6858000" cy="9144000"/>
@@ -105,6 +106,11 @@
       </a:defRPr>
     </a:lvl9pPr>
   </p:defaultTextStyle>
+  <p:extLst>
+    <p:ext uri="{EFAFB233-063F-42B5-8137-9DF3F51BA10A}">
+      <p15:sldGuideLst xmlns:p15="http://schemas.microsoft.com/office/powerpoint/2012/main"/>
+    </p:ext>
+  </p:extLst>
 </p:presentation>
 </file>
 
@@ -278,7 +284,7 @@
             <a:fld id="{87DE6118-2437-4B30-8E3C-4D2BE6020583}" type="datetimeFigureOut">
               <a:rPr lang="en-US" dirty="0"/>
               <a:pPr/>
-              <a:t>7/1/2018</a:t>
+              <a:t>7/8/2018</a:t>
             </a:fld>
             <a:endParaRPr lang="en-US" dirty="0"/>
           </a:p>
@@ -604,7 +610,7 @@
           <a:p>
             <a:fld id="{87DE6118-2437-4B30-8E3C-4D2BE6020583}" type="datetimeFigureOut">
               <a:rPr lang="en-US" dirty="0"/>
-              <a:t>7/1/2018</a:t>
+              <a:t>7/8/2018</a:t>
             </a:fld>
             <a:endParaRPr lang="en-US" dirty="0"/>
           </a:p>
@@ -779,7 +785,7 @@
           <a:p>
             <a:fld id="{87DE6118-2437-4B30-8E3C-4D2BE6020583}" type="datetimeFigureOut">
               <a:rPr lang="en-US" dirty="0"/>
-              <a:t>7/1/2018</a:t>
+              <a:t>7/8/2018</a:t>
             </a:fld>
             <a:endParaRPr lang="en-US" dirty="0"/>
           </a:p>
@@ -944,7 +950,7 @@
           <a:p>
             <a:fld id="{87DE6118-2437-4B30-8E3C-4D2BE6020583}" type="datetimeFigureOut">
               <a:rPr lang="en-US" dirty="0"/>
-              <a:t>7/1/2018</a:t>
+              <a:t>7/8/2018</a:t>
             </a:fld>
             <a:endParaRPr lang="en-US" dirty="0"/>
           </a:p>
@@ -1217,7 +1223,7 @@
             <a:fld id="{87DE6118-2437-4B30-8E3C-4D2BE6020583}" type="datetimeFigureOut">
               <a:rPr lang="en-US" dirty="0"/>
               <a:pPr/>
-              <a:t>7/1/2018</a:t>
+              <a:t>7/8/2018</a:t>
             </a:fld>
             <a:endParaRPr lang="en-US" dirty="0"/>
           </a:p>
@@ -1607,7 +1613,7 @@
           <a:p>
             <a:fld id="{87DE6118-2437-4B30-8E3C-4D2BE6020583}" type="datetimeFigureOut">
               <a:rPr lang="en-US" dirty="0"/>
-              <a:t>7/1/2018</a:t>
+              <a:t>7/8/2018</a:t>
             </a:fld>
             <a:endParaRPr lang="en-US" dirty="0"/>
           </a:p>
@@ -2079,7 +2085,7 @@
           <a:p>
             <a:fld id="{87DE6118-2437-4B30-8E3C-4D2BE6020583}" type="datetimeFigureOut">
               <a:rPr lang="en-US" dirty="0"/>
-              <a:t>7/1/2018</a:t>
+              <a:t>7/8/2018</a:t>
             </a:fld>
             <a:endParaRPr lang="en-US" dirty="0"/>
           </a:p>
@@ -2192,7 +2198,7 @@
           <a:p>
             <a:fld id="{87DE6118-2437-4B30-8E3C-4D2BE6020583}" type="datetimeFigureOut">
               <a:rPr lang="en-US" dirty="0"/>
-              <a:t>7/1/2018</a:t>
+              <a:t>7/8/2018</a:t>
             </a:fld>
             <a:endParaRPr lang="en-US" dirty="0"/>
           </a:p>
@@ -2282,7 +2288,7 @@
           <a:p>
             <a:fld id="{87DE6118-2437-4B30-8E3C-4D2BE6020583}" type="datetimeFigureOut">
               <a:rPr lang="en-US" dirty="0"/>
-              <a:t>7/1/2018</a:t>
+              <a:t>7/8/2018</a:t>
             </a:fld>
             <a:endParaRPr lang="en-US" dirty="0"/>
           </a:p>
@@ -2624,7 +2630,7 @@
             <a:fld id="{87DE6118-2437-4B30-8E3C-4D2BE6020583}" type="datetimeFigureOut">
               <a:rPr lang="en-US" dirty="0"/>
               <a:pPr/>
-              <a:t>7/1/2018</a:t>
+              <a:t>7/8/2018</a:t>
             </a:fld>
             <a:endParaRPr lang="en-US" dirty="0"/>
           </a:p>
@@ -3009,7 +3015,7 @@
             <a:fld id="{87DE6118-2437-4B30-8E3C-4D2BE6020583}" type="datetimeFigureOut">
               <a:rPr lang="en-US" dirty="0"/>
               <a:pPr/>
-              <a:t>7/1/2018</a:t>
+              <a:t>7/8/2018</a:t>
             </a:fld>
             <a:endParaRPr lang="en-US" dirty="0"/>
           </a:p>
@@ -3284,7 +3290,7 @@
             <a:fld id="{87DE6118-2437-4B30-8E3C-4D2BE6020583}" type="datetimeFigureOut">
               <a:rPr lang="en-US" dirty="0"/>
               <a:pPr/>
-              <a:t>7/1/2018</a:t>
+              <a:t>7/8/2018</a:t>
             </a:fld>
             <a:endParaRPr lang="en-US" dirty="0"/>
           </a:p>
@@ -3933,7 +3939,19 @@
           <a:p>
             <a:r>
               <a:rPr lang="en-US" dirty="0"/>
-              <a:t>Sometime</a:t>
+              <a:t>Sometime we don’t want to find the quotient of two number but rather the remainder</a:t>
+            </a:r>
+          </a:p>
+          <a:p>
+            <a:r>
+              <a:rPr lang="en-US" dirty="0"/>
+              <a:t>% or modulus divides the number and return the remainder</a:t>
+            </a:r>
+          </a:p>
+          <a:p>
+            <a:r>
+              <a:rPr lang="en-US" dirty="0"/>
+              <a:t>For now this seem irrelevant but there are future use cases where we want to use it</a:t>
             </a:r>
           </a:p>
         </p:txBody>
@@ -3942,6 +3960,142 @@
     <p:extLst>
       <p:ext uri="{BB962C8B-B14F-4D97-AF65-F5344CB8AC3E}">
         <p14:creationId xmlns:p14="http://schemas.microsoft.com/office/powerpoint/2010/main" val="700764987"/>
+      </p:ext>
+    </p:extLst>
+  </p:cSld>
+  <p:clrMapOvr>
+    <a:masterClrMapping/>
+  </p:clrMapOvr>
+</p:sld>
+</file>
+
+<file path=ppt/slides/slide3.xml><?xml version="1.0" encoding="utf-8"?>
+<p:sld xmlns:a="http://schemas.openxmlformats.org/drawingml/2006/main" xmlns:r="http://schemas.openxmlformats.org/officeDocument/2006/relationships" xmlns:p="http://schemas.openxmlformats.org/presentationml/2006/main">
+  <p:cSld>
+    <p:spTree>
+      <p:nvGrpSpPr>
+        <p:cNvPr id="1" name=""/>
+        <p:cNvGrpSpPr/>
+        <p:nvPr/>
+      </p:nvGrpSpPr>
+      <p:grpSpPr>
+        <a:xfrm>
+          <a:off x="0" y="0"/>
+          <a:ext cx="0" cy="0"/>
+          <a:chOff x="0" y="0"/>
+          <a:chExt cx="0" cy="0"/>
+        </a:xfrm>
+      </p:grpSpPr>
+      <p:sp>
+        <p:nvSpPr>
+          <p:cNvPr id="2" name="Title 1">
+            <a:extLst>
+              <a:ext uri="{FF2B5EF4-FFF2-40B4-BE49-F238E27FC236}">
+                <a16:creationId xmlns:a16="http://schemas.microsoft.com/office/drawing/2014/main" id="{3BCFE7A3-A8DC-45FA-9054-0D7E0197761B}"/>
+              </a:ext>
+            </a:extLst>
+          </p:cNvPr>
+          <p:cNvSpPr>
+            <a:spLocks noGrp="1"/>
+          </p:cNvSpPr>
+          <p:nvPr>
+            <p:ph type="title"/>
+          </p:nvPr>
+        </p:nvSpPr>
+        <p:spPr/>
+        <p:txBody>
+          <a:bodyPr/>
+          <a:lstStyle/>
+          <a:p>
+            <a:r>
+              <a:rPr lang="en-US" dirty="0" err="1"/>
+              <a:t>printf</a:t>
+            </a:r>
+            <a:endParaRPr lang="en-US" dirty="0"/>
+          </a:p>
+        </p:txBody>
+      </p:sp>
+      <p:sp>
+        <p:nvSpPr>
+          <p:cNvPr id="3" name="Content Placeholder 2">
+            <a:extLst>
+              <a:ext uri="{FF2B5EF4-FFF2-40B4-BE49-F238E27FC236}">
+                <a16:creationId xmlns:a16="http://schemas.microsoft.com/office/drawing/2014/main" id="{4BE48FF8-548D-4336-BC01-0A78C1FECD95}"/>
+              </a:ext>
+            </a:extLst>
+          </p:cNvPr>
+          <p:cNvSpPr>
+            <a:spLocks noGrp="1"/>
+          </p:cNvSpPr>
+          <p:nvPr>
+            <p:ph idx="1"/>
+          </p:nvPr>
+        </p:nvSpPr>
+        <p:spPr/>
+        <p:txBody>
+          <a:bodyPr/>
+          <a:lstStyle/>
+          <a:p>
+            <a:r>
+              <a:rPr lang="en-US" dirty="0" err="1"/>
+              <a:t>printf</a:t>
+            </a:r>
+            <a:r>
+              <a:rPr lang="en-US" dirty="0"/>
+              <a:t> is a special formatting for the print statement that is usually used for formatting numbers into nicer versions of those numbers</a:t>
+            </a:r>
+          </a:p>
+          <a:p>
+            <a:r>
+              <a:rPr lang="en-US" dirty="0"/>
+              <a:t>Using </a:t>
+            </a:r>
+            <a:r>
+              <a:rPr lang="en-US" dirty="0" err="1"/>
+              <a:t>printf</a:t>
+            </a:r>
+            <a:r>
+              <a:rPr lang="en-US" dirty="0"/>
+              <a:t> is almost like using print</a:t>
+            </a:r>
+          </a:p>
+          <a:p>
+            <a:r>
+              <a:rPr lang="en-US" dirty="0"/>
+              <a:t>The location of the number will be replaced with a % followed by a modifier that format it based on the parameters you give it</a:t>
+            </a:r>
+          </a:p>
+          <a:p>
+            <a:r>
+              <a:rPr lang="en-US" dirty="0"/>
+              <a:t>A guide for using </a:t>
+            </a:r>
+            <a:r>
+              <a:rPr lang="en-US" dirty="0" err="1"/>
+              <a:t>printf</a:t>
+            </a:r>
+            <a:r>
+              <a:rPr lang="en-US" dirty="0"/>
+              <a:t> can </a:t>
+            </a:r>
+            <a:r>
+              <a:rPr lang="en-US"/>
+              <a:t>be found </a:t>
+            </a:r>
+            <a:r>
+              <a:rPr lang="en-US">
+                <a:hlinkClick r:id="rId2"/>
+              </a:rPr>
+              <a:t>here</a:t>
+            </a:r>
+            <a:endParaRPr lang="en-US" dirty="0"/>
+          </a:p>
+        </p:txBody>
+      </p:sp>
+    </p:spTree>
+    <p:extLst>
+      <p:ext uri="{BB962C8B-B14F-4D97-AF65-F5344CB8AC3E}">
+        <p14:creationId xmlns:p14="http://schemas.microsoft.com/office/powerpoint/2010/main" val="1953863810"/>
       </p:ext>
     </p:extLst>
   </p:cSld>
